--- a/doc/微服务架构.pptx
+++ b/doc/微服务架构.pptx
@@ -8,7 +8,7 @@
     <p:notesMasterId r:id="rId10"/>
   </p:notesMasterIdLst>
   <p:handoutMasterIdLst>
-    <p:handoutMasterId r:id="rId20"/>
+    <p:handoutMasterId r:id="rId22"/>
   </p:handoutMasterIdLst>
   <p:sldIdLst>
     <p:sldId id="256" r:id="rId3"/>
@@ -27,6 +27,8 @@
     <p:sldId id="270" r:id="rId17"/>
     <p:sldId id="268" r:id="rId18"/>
     <p:sldId id="271" r:id="rId19"/>
+    <p:sldId id="274" r:id="rId20"/>
+    <p:sldId id="275" r:id="rId21"/>
   </p:sldIdLst>
   <p:sldSz cx="12192000" cy="6858000"/>
   <p:notesSz cx="7103745" cy="10234295"/>
@@ -3631,7 +3633,7 @@
                 </a:solidFill>
                 <a:effectLst/>
               </a:rPr>
-              <a:t>微服务架构</a:t>
+              <a:t>微服务架构演变</a:t>
             </a:r>
             <a:endParaRPr lang="zh-CN" altLang="en-US" b="1">
               <a:solidFill>
@@ -6828,75 +6830,1232 @@
             <p:ph idx="1"/>
           </p:nvPr>
         </p:nvSpPr>
+        <p:spPr>
+          <a:xfrm>
+            <a:off x="647700" y="1478280"/>
+            <a:ext cx="10515600" cy="5200015"/>
+          </a:xfrm>
+        </p:spPr>
+        <p:txBody>
+          <a:bodyPr>
+            <a:noAutofit/>
+          </a:bodyPr>
+          <a:p>
+            <a:pPr marL="0" indent="0">
+              <a:buNone/>
+            </a:pPr>
+            <a:r>
+              <a:rPr lang="zh-CN" altLang="en-US" sz="1400"/>
+              <a:t>这里主要说下</a:t>
+            </a:r>
+            <a:r>
+              <a:rPr lang="en-US" altLang="zh-CN" sz="1400"/>
+              <a:t>spring boot</a:t>
+            </a:r>
+            <a:r>
+              <a:rPr lang="zh-CN" altLang="en-US" sz="1400"/>
+              <a:t>对</a:t>
+            </a:r>
+            <a:r>
+              <a:rPr lang="en-US" altLang="zh-CN" sz="1400"/>
+              <a:t>logback</a:t>
+            </a:r>
+            <a:r>
+              <a:rPr lang="zh-CN" altLang="en-US" sz="1400"/>
+              <a:t>的扩展，</a:t>
+            </a:r>
+            <a:r>
+              <a:rPr lang="en-US" altLang="zh-CN" sz="1400"/>
+              <a:t>xml</a:t>
+            </a:r>
+            <a:r>
+              <a:rPr lang="zh-CN" altLang="en-US" sz="1400"/>
+              <a:t>跟</a:t>
+            </a:r>
+            <a:r>
+              <a:rPr lang="en-US" altLang="zh-CN" sz="1400"/>
+              <a:t>yml</a:t>
+            </a:r>
+            <a:r>
+              <a:rPr lang="zh-CN" altLang="en-US" sz="1400"/>
+              <a:t>配置怎么打通</a:t>
+            </a:r>
+            <a:r>
+              <a:rPr lang="en-US" altLang="zh-CN" sz="1400"/>
+              <a:t>.springboot</a:t>
+            </a:r>
+            <a:r>
+              <a:rPr lang="zh-CN" altLang="en-US" sz="1400"/>
+              <a:t>建议我们命名</a:t>
+            </a:r>
+            <a:r>
+              <a:rPr lang="en-US" altLang="zh-CN" sz="1400">
+                <a:solidFill>
+                  <a:srgbClr val="00B050"/>
+                </a:solidFill>
+              </a:rPr>
+              <a:t>logback-spring.xml</a:t>
+            </a:r>
+            <a:endParaRPr lang="en-US" altLang="zh-CN" sz="1400">
+              <a:solidFill>
+                <a:srgbClr val="00B050"/>
+              </a:solidFill>
+            </a:endParaRPr>
+          </a:p>
+          <a:p>
+            <a:pPr marL="0" indent="0">
+              <a:buNone/>
+            </a:pPr>
+            <a:endParaRPr lang="zh-CN" altLang="en-US" sz="1000"/>
+          </a:p>
+          <a:p>
+            <a:r>
+              <a:rPr lang="zh-CN" altLang="en-US" sz="1400">
+                <a:solidFill>
+                  <a:srgbClr val="00B0F0"/>
+                </a:solidFill>
+              </a:rPr>
+              <a:t> 根据环境不同采取不同的策略</a:t>
+            </a:r>
+            <a:endParaRPr lang="zh-CN" altLang="en-US" sz="1400"/>
+          </a:p>
+          <a:p>
+            <a:pPr marL="0" indent="0">
+              <a:buNone/>
+            </a:pPr>
+            <a:r>
+              <a:rPr lang="zh-CN" altLang="en-US" sz="1400"/>
+              <a:t>   </a:t>
+            </a:r>
+            <a:r>
+              <a:rPr lang="zh-CN" altLang="en-US" sz="1400">
+                <a:solidFill>
+                  <a:srgbClr val="FF6600"/>
+                </a:solidFill>
+              </a:rPr>
+              <a:t>&lt;springProfile name</a:t>
+            </a:r>
+            <a:r>
+              <a:rPr lang="zh-CN" altLang="en-US" sz="1400"/>
+              <a:t>="local"</a:t>
+            </a:r>
+            <a:r>
+              <a:rPr lang="zh-CN" altLang="en-US" sz="1400">
+                <a:solidFill>
+                  <a:srgbClr val="FF6600"/>
+                </a:solidFill>
+              </a:rPr>
+              <a:t>&gt;</a:t>
+            </a:r>
+            <a:endParaRPr lang="zh-CN" altLang="en-US" sz="1400">
+              <a:solidFill>
+                <a:srgbClr val="FF6600"/>
+              </a:solidFill>
+            </a:endParaRPr>
+          </a:p>
+          <a:p>
+            <a:pPr marL="0" indent="0">
+              <a:buNone/>
+            </a:pPr>
+            <a:r>
+              <a:rPr lang="zh-CN" altLang="en-US" sz="1400">
+                <a:solidFill>
+                  <a:srgbClr val="FF6600"/>
+                </a:solidFill>
+              </a:rPr>
+              <a:t>        &lt;root level</a:t>
+            </a:r>
+            <a:r>
+              <a:rPr lang="zh-CN" altLang="en-US" sz="1400"/>
+              <a:t>="DEBUG"</a:t>
+            </a:r>
+            <a:r>
+              <a:rPr lang="zh-CN" altLang="en-US" sz="1400">
+                <a:solidFill>
+                  <a:srgbClr val="FF6600"/>
+                </a:solidFill>
+              </a:rPr>
+              <a:t>&gt;</a:t>
+            </a:r>
+            <a:endParaRPr lang="zh-CN" altLang="en-US" sz="1400">
+              <a:solidFill>
+                <a:srgbClr val="FF6600"/>
+              </a:solidFill>
+            </a:endParaRPr>
+          </a:p>
+          <a:p>
+            <a:pPr marL="0" indent="0">
+              <a:buNone/>
+            </a:pPr>
+            <a:r>
+              <a:rPr lang="zh-CN" altLang="en-US" sz="1400">
+                <a:solidFill>
+                  <a:srgbClr val="FF6600"/>
+                </a:solidFill>
+              </a:rPr>
+              <a:t>            &lt;appender-ref re</a:t>
+            </a:r>
+            <a:r>
+              <a:rPr lang="zh-CN" altLang="en-US" sz="1400"/>
+              <a:t>f="console"</a:t>
+            </a:r>
+            <a:r>
+              <a:rPr lang="zh-CN" altLang="en-US" sz="1400">
+                <a:solidFill>
+                  <a:srgbClr val="FF6600"/>
+                </a:solidFill>
+              </a:rPr>
+              <a:t>/&gt;</a:t>
+            </a:r>
+            <a:endParaRPr lang="zh-CN" altLang="en-US" sz="1400">
+              <a:solidFill>
+                <a:srgbClr val="FF6600"/>
+              </a:solidFill>
+            </a:endParaRPr>
+          </a:p>
+          <a:p>
+            <a:pPr marL="0" indent="0">
+              <a:buNone/>
+            </a:pPr>
+            <a:r>
+              <a:rPr lang="zh-CN" altLang="en-US" sz="1400">
+                <a:solidFill>
+                  <a:srgbClr val="FF6600"/>
+                </a:solidFill>
+              </a:rPr>
+              <a:t>            &lt;appender-ref ref</a:t>
+            </a:r>
+            <a:r>
+              <a:rPr lang="zh-CN" altLang="en-US" sz="1400"/>
+              <a:t>="file"</a:t>
+            </a:r>
+            <a:r>
+              <a:rPr lang="zh-CN" altLang="en-US" sz="1400">
+                <a:solidFill>
+                  <a:srgbClr val="FF6600"/>
+                </a:solidFill>
+              </a:rPr>
+              <a:t>/&gt;</a:t>
+            </a:r>
+            <a:endParaRPr lang="zh-CN" altLang="en-US" sz="1400">
+              <a:solidFill>
+                <a:srgbClr val="FF6600"/>
+              </a:solidFill>
+            </a:endParaRPr>
+          </a:p>
+          <a:p>
+            <a:pPr marL="0" indent="0">
+              <a:buNone/>
+            </a:pPr>
+            <a:r>
+              <a:rPr lang="zh-CN" altLang="en-US" sz="1400">
+                <a:solidFill>
+                  <a:srgbClr val="FF6600"/>
+                </a:solidFill>
+              </a:rPr>
+              <a:t>        &lt;/root&gt;</a:t>
+            </a:r>
+            <a:endParaRPr lang="zh-CN" altLang="en-US" sz="1400">
+              <a:solidFill>
+                <a:srgbClr val="FF6600"/>
+              </a:solidFill>
+            </a:endParaRPr>
+          </a:p>
+          <a:p>
+            <a:pPr marL="0" indent="0">
+              <a:buNone/>
+            </a:pPr>
+            <a:r>
+              <a:rPr lang="zh-CN" altLang="en-US" sz="1400">
+                <a:solidFill>
+                  <a:srgbClr val="FF6600"/>
+                </a:solidFill>
+              </a:rPr>
+              <a:t>    &lt;/springProfile&gt;</a:t>
+            </a:r>
+            <a:endParaRPr lang="zh-CN" altLang="en-US" sz="1400"/>
+          </a:p>
+          <a:p>
+            <a:pPr marL="0" indent="0">
+              <a:buNone/>
+            </a:pPr>
+            <a:r>
+              <a:rPr lang="zh-CN" altLang="en-US" sz="1400"/>
+              <a:t>  </a:t>
+            </a:r>
+            <a:r>
+              <a:rPr lang="zh-CN" altLang="en-US" sz="1400">
+                <a:solidFill>
+                  <a:srgbClr val="FF6600"/>
+                </a:solidFill>
+              </a:rPr>
+              <a:t>  &lt;springProfile name</a:t>
+            </a:r>
+            <a:r>
+              <a:rPr lang="zh-CN" altLang="en-US" sz="1400"/>
+              <a:t>="dev"</a:t>
+            </a:r>
+            <a:r>
+              <a:rPr lang="zh-CN" altLang="en-US" sz="1400">
+                <a:solidFill>
+                  <a:srgbClr val="FF6600"/>
+                </a:solidFill>
+              </a:rPr>
+              <a:t>&gt;</a:t>
+            </a:r>
+            <a:endParaRPr lang="zh-CN" altLang="en-US" sz="1400"/>
+          </a:p>
+          <a:p>
+            <a:pPr marL="0" indent="0">
+              <a:buNone/>
+            </a:pPr>
+            <a:r>
+              <a:rPr lang="zh-CN" altLang="en-US" sz="1400"/>
+              <a:t>        </a:t>
+            </a:r>
+            <a:r>
+              <a:rPr lang="zh-CN" altLang="en-US" sz="1400">
+                <a:solidFill>
+                  <a:srgbClr val="FF6600"/>
+                </a:solidFill>
+              </a:rPr>
+              <a:t>&lt;root level</a:t>
+            </a:r>
+            <a:r>
+              <a:rPr lang="zh-CN" altLang="en-US" sz="1400"/>
+              <a:t>="DEBUG"</a:t>
+            </a:r>
+            <a:r>
+              <a:rPr lang="zh-CN" altLang="en-US" sz="1400">
+                <a:solidFill>
+                  <a:srgbClr val="FF6600"/>
+                </a:solidFill>
+              </a:rPr>
+              <a:t>&gt;</a:t>
+            </a:r>
+            <a:endParaRPr lang="zh-CN" altLang="en-US" sz="1400"/>
+          </a:p>
+          <a:p>
+            <a:pPr marL="0" indent="0">
+              <a:buNone/>
+            </a:pPr>
+            <a:r>
+              <a:rPr lang="zh-CN" altLang="en-US" sz="1400"/>
+              <a:t>            </a:t>
+            </a:r>
+            <a:r>
+              <a:rPr lang="zh-CN" altLang="en-US" sz="1400">
+                <a:solidFill>
+                  <a:srgbClr val="FF6600"/>
+                </a:solidFill>
+              </a:rPr>
+              <a:t>&lt;appender-ref ref</a:t>
+            </a:r>
+            <a:r>
+              <a:rPr lang="zh-CN" altLang="en-US" sz="1400"/>
+              <a:t>="file"</a:t>
+            </a:r>
+            <a:r>
+              <a:rPr lang="zh-CN" altLang="en-US" sz="1400">
+                <a:solidFill>
+                  <a:srgbClr val="FF6600"/>
+                </a:solidFill>
+              </a:rPr>
+              <a:t>/&gt;</a:t>
+            </a:r>
+            <a:endParaRPr lang="zh-CN" altLang="en-US" sz="1400"/>
+          </a:p>
+          <a:p>
+            <a:pPr marL="0" indent="0">
+              <a:buNone/>
+            </a:pPr>
+            <a:r>
+              <a:rPr lang="zh-CN" altLang="en-US" sz="1400"/>
+              <a:t>        </a:t>
+            </a:r>
+            <a:r>
+              <a:rPr lang="zh-CN" altLang="en-US" sz="1400">
+                <a:solidFill>
+                  <a:srgbClr val="FF6600"/>
+                </a:solidFill>
+              </a:rPr>
+              <a:t>&lt;/root&gt;</a:t>
+            </a:r>
+            <a:endParaRPr lang="zh-CN" altLang="en-US" sz="1400">
+              <a:solidFill>
+                <a:srgbClr val="FF6600"/>
+              </a:solidFill>
+            </a:endParaRPr>
+          </a:p>
+          <a:p>
+            <a:pPr marL="0" indent="0">
+              <a:buNone/>
+            </a:pPr>
+            <a:r>
+              <a:rPr lang="zh-CN" altLang="en-US" sz="1400">
+                <a:solidFill>
+                  <a:srgbClr val="FF6600"/>
+                </a:solidFill>
+              </a:rPr>
+              <a:t>    &lt;/springProfile</a:t>
+            </a:r>
+            <a:r>
+              <a:rPr lang="zh-CN" altLang="en-US" sz="1400"/>
+              <a:t>&gt;</a:t>
+            </a:r>
+            <a:endParaRPr lang="zh-CN" altLang="en-US" sz="1400"/>
+          </a:p>
+          <a:p>
+            <a:r>
+              <a:rPr lang="zh-CN" altLang="en-US" sz="1400">
+                <a:solidFill>
+                  <a:srgbClr val="00B0F0"/>
+                </a:solidFill>
+              </a:rPr>
+              <a:t>读取yml文件配置</a:t>
+            </a:r>
+            <a:endParaRPr lang="zh-CN" altLang="en-US" sz="1400"/>
+          </a:p>
+          <a:p>
+            <a:pPr marL="0" indent="0">
+              <a:buNone/>
+            </a:pPr>
+            <a:r>
+              <a:rPr lang="zh-CN" altLang="en-US" sz="1400"/>
+              <a:t>  </a:t>
+            </a:r>
+            <a:r>
+              <a:rPr lang="zh-CN" altLang="en-US" sz="1400">
+                <a:solidFill>
+                  <a:srgbClr val="FF6600"/>
+                </a:solidFill>
+              </a:rPr>
+              <a:t>&lt;springProperty scope</a:t>
+            </a:r>
+            <a:r>
+              <a:rPr lang="zh-CN" altLang="en-US" sz="1400"/>
+              <a:t>="context" </a:t>
+            </a:r>
+            <a:r>
+              <a:rPr lang="zh-CN" altLang="en-US" sz="1400">
+                <a:solidFill>
+                  <a:srgbClr val="FF6600"/>
+                </a:solidFill>
+              </a:rPr>
+              <a:t>name</a:t>
+            </a:r>
+            <a:r>
+              <a:rPr lang="zh-CN" altLang="en-US" sz="1400"/>
+              <a:t>="log_home" </a:t>
+            </a:r>
+            <a:r>
+              <a:rPr lang="zh-CN" altLang="en-US" sz="1400">
+                <a:solidFill>
+                  <a:srgbClr val="FF6600"/>
+                </a:solidFill>
+              </a:rPr>
+              <a:t>source</a:t>
+            </a:r>
+            <a:r>
+              <a:rPr lang="zh-CN" altLang="en-US" sz="1400"/>
+              <a:t>="log.path" </a:t>
+            </a:r>
+            <a:r>
+              <a:rPr lang="zh-CN" altLang="en-US" sz="1400">
+                <a:solidFill>
+                  <a:srgbClr val="FF6600"/>
+                </a:solidFill>
+              </a:rPr>
+              <a:t>defaultValue</a:t>
+            </a:r>
+            <a:r>
+              <a:rPr lang="zh-CN" altLang="en-US" sz="1400"/>
+              <a:t>="./logs"</a:t>
+            </a:r>
+            <a:r>
+              <a:rPr lang="zh-CN" altLang="en-US" sz="1400">
+                <a:solidFill>
+                  <a:srgbClr val="FF6600"/>
+                </a:solidFill>
+              </a:rPr>
+              <a:t>/&gt;</a:t>
+            </a:r>
+            <a:endParaRPr lang="zh-CN" altLang="en-US" sz="1400">
+              <a:solidFill>
+                <a:srgbClr val="FF6600"/>
+              </a:solidFill>
+            </a:endParaRPr>
+          </a:p>
+        </p:txBody>
+      </p:sp>
+    </p:spTree>
+  </p:cSld>
+  <p:clrMapOvr>
+    <a:masterClrMapping/>
+  </p:clrMapOvr>
+</p:sld>
+</file>
+
+<file path=ppt/slides/slide17.xml><?xml version="1.0" encoding="utf-8"?>
+<p:sld xmlns:a="http://schemas.openxmlformats.org/drawingml/2006/main" xmlns:r="http://schemas.openxmlformats.org/officeDocument/2006/relationships" xmlns:p="http://schemas.openxmlformats.org/presentationml/2006/main">
+  <p:cSld>
+    <p:spTree>
+      <p:nvGrpSpPr>
+        <p:cNvPr id="1" name=""/>
+        <p:cNvGrpSpPr/>
+        <p:nvPr/>
+      </p:nvGrpSpPr>
+      <p:grpSpPr/>
+      <p:sp>
+        <p:nvSpPr>
+          <p:cNvPr id="2" name="标题 1"/>
+          <p:cNvSpPr>
+            <a:spLocks noGrp="1"/>
+          </p:cNvSpPr>
+          <p:nvPr>
+            <p:ph type="title"/>
+          </p:nvPr>
+        </p:nvSpPr>
+        <p:spPr/>
+        <p:txBody>
+          <a:bodyPr>
+            <a:normAutofit/>
+          </a:bodyPr>
+          <a:p>
+            <a:pPr>
+              <a:lnSpc>
+                <a:spcPct val="150000"/>
+              </a:lnSpc>
+            </a:pPr>
+            <a:r>
+              <a:rPr lang="zh-CN" altLang="en-US" sz="4000">
+                <a:solidFill>
+                  <a:schemeClr val="accent1"/>
+                </a:solidFill>
+                <a:effectLst>
+                  <a:outerShdw blurRad="38100" dist="25400" dir="5400000" algn="ctr" rotWithShape="0">
+                    <a:srgbClr val="6E747A">
+                      <a:alpha val="43000"/>
+                    </a:srgbClr>
+                  </a:outerShdw>
+                </a:effectLst>
+              </a:rPr>
+              <a:t>动态日志级别</a:t>
+            </a:r>
+            <a:br>
+              <a:rPr lang="zh-CN" altLang="en-US" sz="4000">
+                <a:solidFill>
+                  <a:schemeClr val="accent1"/>
+                </a:solidFill>
+                <a:effectLst>
+                  <a:outerShdw blurRad="38100" dist="25400" dir="5400000" algn="ctr" rotWithShape="0">
+                    <a:srgbClr val="6E747A">
+                      <a:alpha val="43000"/>
+                    </a:srgbClr>
+                  </a:outerShdw>
+                </a:effectLst>
+              </a:rPr>
+            </a:br>
+            <a:r>
+              <a:rPr lang="zh-CN" altLang="en-US" sz="1400" b="0">
+                <a:ln/>
+                <a:solidFill>
+                  <a:schemeClr val="accent1"/>
+                </a:solidFill>
+                <a:effectLst>
+                  <a:outerShdw blurRad="38100" dist="25400" dir="5400000" algn="ctr" rotWithShape="0">
+                    <a:srgbClr val="6E747A">
+                      <a:alpha val="43000"/>
+                    </a:srgbClr>
+                  </a:outerShdw>
+                </a:effectLst>
+                <a:sym typeface="+mn-ea"/>
+              </a:rPr>
+              <a:t>https://docs.spring.io/spring-boot/docs/current/reference/html/production-ready-endpoints.html</a:t>
+            </a:r>
+            <a:endParaRPr lang="zh-CN" altLang="en-US" sz="1400" b="0">
+              <a:ln/>
+              <a:solidFill>
+                <a:schemeClr val="accent1"/>
+              </a:solidFill>
+              <a:effectLst>
+                <a:outerShdw blurRad="38100" dist="25400" dir="5400000" algn="ctr" rotWithShape="0">
+                  <a:srgbClr val="6E747A">
+                    <a:alpha val="43000"/>
+                  </a:srgbClr>
+                </a:outerShdw>
+              </a:effectLst>
+              <a:sym typeface="+mn-ea"/>
+            </a:endParaRPr>
+          </a:p>
+        </p:txBody>
+      </p:sp>
+      <p:sp>
+        <p:nvSpPr>
+          <p:cNvPr id="3" name="内容占位符 2"/>
+          <p:cNvSpPr>
+            <a:spLocks noGrp="1"/>
+          </p:cNvSpPr>
+          <p:nvPr>
+            <p:ph idx="1"/>
+          </p:nvPr>
+        </p:nvSpPr>
+        <p:spPr/>
+        <p:txBody>
+          <a:bodyPr>
+            <a:normAutofit lnSpcReduction="10000"/>
+          </a:bodyPr>
+          <a:p>
+            <a:r>
+              <a:rPr lang="zh-CN" altLang="en-US">
+                <a:solidFill>
+                  <a:srgbClr val="00B050"/>
+                </a:solidFill>
+              </a:rPr>
+              <a:t>spring-boot-starter-actuator</a:t>
+            </a:r>
+            <a:endParaRPr lang="zh-CN" altLang="en-US"/>
+          </a:p>
+          <a:p>
+            <a:pPr marL="0" indent="0">
+              <a:buNone/>
+            </a:pPr>
+            <a:r>
+              <a:rPr lang="zh-CN" altLang="en-US" sz="1200"/>
+              <a:t> 在地址栏访问：http://localhost:8081/actuator/loggers</a:t>
+            </a:r>
+            <a:endParaRPr lang="zh-CN" altLang="en-US" sz="1200"/>
+          </a:p>
+          <a:p>
+            <a:pPr marL="0" indent="0">
+              <a:lnSpc>
+                <a:spcPct val="150000"/>
+              </a:lnSpc>
+              <a:buNone/>
+            </a:pPr>
+            <a:r>
+              <a:rPr lang="zh-CN" altLang="en-US" sz="1200">
+                <a:solidFill>
+                  <a:srgbClr val="00B050"/>
+                </a:solidFill>
+              </a:rPr>
+              <a:t>curl</a:t>
+            </a:r>
+            <a:r>
+              <a:rPr lang="zh-CN" altLang="en-US" sz="1200"/>
+              <a:t> http://localhost:8081/actuator/loggers/io.github.sunny.controller </a:t>
+            </a:r>
+            <a:r>
+              <a:rPr lang="zh-CN" altLang="en-US" sz="1200">
+                <a:solidFill>
+                  <a:srgbClr val="00B050"/>
+                </a:solidFill>
+              </a:rPr>
+              <a:t>-X POST -H</a:t>
+            </a:r>
+            <a:r>
+              <a:rPr lang="zh-CN" altLang="en-US" sz="1200"/>
+              <a:t> "Content-Type:application/json"</a:t>
+            </a:r>
+            <a:r>
+              <a:rPr lang="zh-CN" altLang="en-US" sz="1200">
+                <a:solidFill>
+                  <a:srgbClr val="00B050"/>
+                </a:solidFill>
+              </a:rPr>
+              <a:t> -d</a:t>
+            </a:r>
+            <a:r>
+              <a:rPr lang="zh-CN" altLang="en-US" sz="1200"/>
+              <a:t> '{"configuredLevel": "debug"}'</a:t>
+            </a:r>
+            <a:endParaRPr lang="zh-CN" altLang="en-US" sz="1200"/>
+          </a:p>
+          <a:p>
+            <a:pPr>
+              <a:lnSpc>
+                <a:spcPct val="150000"/>
+              </a:lnSpc>
+            </a:pPr>
+            <a:r>
+              <a:rPr lang="zh-CN" altLang="en-US">
+                <a:solidFill>
+                  <a:srgbClr val="00B050"/>
+                </a:solidFill>
+              </a:rPr>
+              <a:t>编码方式修改</a:t>
+            </a:r>
+            <a:endParaRPr lang="zh-CN" altLang="en-US">
+              <a:solidFill>
+                <a:srgbClr val="00B050"/>
+              </a:solidFill>
+            </a:endParaRPr>
+          </a:p>
+          <a:p>
+            <a:pPr marL="0" indent="0">
+              <a:lnSpc>
+                <a:spcPct val="100000"/>
+              </a:lnSpc>
+              <a:buNone/>
+            </a:pPr>
+            <a:r>
+              <a:rPr lang="zh-CN" altLang="en-US" sz="1200">
+                <a:solidFill>
+                  <a:srgbClr val="00B050"/>
+                </a:solidFill>
+              </a:rPr>
+              <a:t>   @PostMapping("/log/{pgk}/{level}")</a:t>
+            </a:r>
+            <a:endParaRPr lang="zh-CN" altLang="en-US" sz="1200">
+              <a:solidFill>
+                <a:srgbClr val="00B050"/>
+              </a:solidFill>
+            </a:endParaRPr>
+          </a:p>
+          <a:p>
+            <a:pPr marL="0" indent="0">
+              <a:lnSpc>
+                <a:spcPct val="100000"/>
+              </a:lnSpc>
+              <a:buNone/>
+            </a:pPr>
+            <a:r>
+              <a:rPr lang="zh-CN" altLang="en-US" sz="1200">
+                <a:solidFill>
+                  <a:srgbClr val="00B050"/>
+                </a:solidFill>
+              </a:rPr>
+              <a:t>    </a:t>
+            </a:r>
+            <a:r>
+              <a:rPr lang="zh-CN" altLang="en-US" sz="1200">
+                <a:solidFill>
+                  <a:srgbClr val="C00000"/>
+                </a:solidFill>
+              </a:rPr>
+              <a:t>public </a:t>
+            </a:r>
+            <a:r>
+              <a:rPr lang="zh-CN" altLang="en-US" sz="1200">
+                <a:solidFill>
+                  <a:srgbClr val="00B0F0"/>
+                </a:solidFill>
+              </a:rPr>
+              <a:t>Response </a:t>
+            </a:r>
+            <a:r>
+              <a:rPr lang="zh-CN" altLang="en-US" sz="1200">
+                <a:solidFill>
+                  <a:srgbClr val="FFC000"/>
+                </a:solidFill>
+              </a:rPr>
+              <a:t>setLogLevel</a:t>
+            </a:r>
+            <a:r>
+              <a:rPr lang="zh-CN" altLang="en-US" sz="1200">
+                <a:solidFill>
+                  <a:schemeClr val="tx1"/>
+                </a:solidFill>
+              </a:rPr>
+              <a:t>(@PathVariable("pgk")</a:t>
+            </a:r>
+            <a:r>
+              <a:rPr lang="zh-CN" altLang="en-US" sz="1200">
+                <a:solidFill>
+                  <a:srgbClr val="00B050"/>
+                </a:solidFill>
+              </a:rPr>
+              <a:t> </a:t>
+            </a:r>
+            <a:r>
+              <a:rPr lang="zh-CN" altLang="en-US" sz="1200">
+                <a:solidFill>
+                  <a:srgbClr val="C00000"/>
+                </a:solidFill>
+              </a:rPr>
+              <a:t>String </a:t>
+            </a:r>
+            <a:r>
+              <a:rPr lang="zh-CN" altLang="en-US" sz="1200">
+                <a:solidFill>
+                  <a:schemeClr val="tx1"/>
+                </a:solidFill>
+              </a:rPr>
+              <a:t>pgk</a:t>
+            </a:r>
+            <a:r>
+              <a:rPr lang="zh-CN" altLang="en-US" sz="1200">
+                <a:solidFill>
+                  <a:srgbClr val="00B050"/>
+                </a:solidFill>
+              </a:rPr>
+              <a:t>, </a:t>
+            </a:r>
+            <a:r>
+              <a:rPr lang="zh-CN" altLang="en-US" sz="1200">
+                <a:solidFill>
+                  <a:schemeClr val="tx1"/>
+                </a:solidFill>
+              </a:rPr>
+              <a:t>@PathVariable("level")</a:t>
+            </a:r>
+            <a:r>
+              <a:rPr lang="zh-CN" altLang="en-US" sz="1200">
+                <a:solidFill>
+                  <a:srgbClr val="00B050"/>
+                </a:solidFill>
+              </a:rPr>
+              <a:t> </a:t>
+            </a:r>
+            <a:r>
+              <a:rPr lang="zh-CN" altLang="en-US" sz="1200">
+                <a:solidFill>
+                  <a:srgbClr val="C00000"/>
+                </a:solidFill>
+              </a:rPr>
+              <a:t>String </a:t>
+            </a:r>
+            <a:r>
+              <a:rPr lang="zh-CN" altLang="en-US" sz="1200">
+                <a:solidFill>
+                  <a:schemeClr val="tx1"/>
+                </a:solidFill>
+              </a:rPr>
+              <a:t>level) {</a:t>
+            </a:r>
+            <a:endParaRPr lang="zh-CN" altLang="en-US" sz="1200">
+              <a:solidFill>
+                <a:srgbClr val="00B050"/>
+              </a:solidFill>
+            </a:endParaRPr>
+          </a:p>
+          <a:p>
+            <a:pPr marL="0" indent="0">
+              <a:lnSpc>
+                <a:spcPct val="100000"/>
+              </a:lnSpc>
+              <a:buNone/>
+            </a:pPr>
+            <a:r>
+              <a:rPr lang="zh-CN" altLang="en-US" sz="1200">
+                <a:solidFill>
+                  <a:srgbClr val="00B050"/>
+                </a:solidFill>
+              </a:rPr>
+              <a:t>        </a:t>
+            </a:r>
+            <a:r>
+              <a:rPr lang="zh-CN" altLang="en-US" sz="1200">
+                <a:solidFill>
+                  <a:srgbClr val="C00000"/>
+                </a:solidFill>
+              </a:rPr>
+              <a:t>LoggerContext </a:t>
+            </a:r>
+            <a:r>
+              <a:rPr lang="zh-CN" altLang="en-US" sz="1200">
+                <a:solidFill>
+                  <a:srgbClr val="00B050"/>
+                </a:solidFill>
+              </a:rPr>
+              <a:t>loggerContext = </a:t>
+            </a:r>
+            <a:r>
+              <a:rPr lang="zh-CN" altLang="en-US" sz="1200">
+                <a:solidFill>
+                  <a:srgbClr val="C00000"/>
+                </a:solidFill>
+              </a:rPr>
+              <a:t>(LoggerContext) LoggerFactory.getILoggerFactory()</a:t>
+            </a:r>
+            <a:r>
+              <a:rPr lang="zh-CN" altLang="en-US" sz="1200">
+                <a:solidFill>
+                  <a:srgbClr val="00B050"/>
+                </a:solidFill>
+              </a:rPr>
+              <a:t>;</a:t>
+            </a:r>
+            <a:endParaRPr lang="zh-CN" altLang="en-US" sz="1200">
+              <a:solidFill>
+                <a:srgbClr val="00B050"/>
+              </a:solidFill>
+            </a:endParaRPr>
+          </a:p>
+          <a:p>
+            <a:pPr marL="0" indent="0">
+              <a:lnSpc>
+                <a:spcPct val="100000"/>
+              </a:lnSpc>
+              <a:buNone/>
+            </a:pPr>
+            <a:r>
+              <a:rPr lang="zh-CN" altLang="en-US" sz="1200">
+                <a:solidFill>
+                  <a:srgbClr val="00B050"/>
+                </a:solidFill>
+              </a:rPr>
+              <a:t>        loggerContext.</a:t>
+            </a:r>
+            <a:r>
+              <a:rPr lang="zh-CN" altLang="en-US" sz="1200">
+                <a:solidFill>
+                  <a:srgbClr val="C00000"/>
+                </a:solidFill>
+              </a:rPr>
+              <a:t>getLogger(</a:t>
+            </a:r>
+            <a:r>
+              <a:rPr lang="zh-CN" altLang="en-US" sz="1200">
+                <a:solidFill>
+                  <a:srgbClr val="00B050"/>
+                </a:solidFill>
+              </a:rPr>
+              <a:t>pgk</a:t>
+            </a:r>
+            <a:r>
+              <a:rPr lang="zh-CN" altLang="en-US" sz="1200">
+                <a:solidFill>
+                  <a:srgbClr val="C00000"/>
+                </a:solidFill>
+              </a:rPr>
+              <a:t>).setLevel(Level.valueOf(</a:t>
+            </a:r>
+            <a:r>
+              <a:rPr lang="zh-CN" altLang="en-US" sz="1200">
+                <a:solidFill>
+                  <a:srgbClr val="00B050"/>
+                </a:solidFill>
+              </a:rPr>
+              <a:t>level</a:t>
+            </a:r>
+            <a:r>
+              <a:rPr lang="zh-CN" altLang="en-US" sz="1200">
+                <a:solidFill>
+                  <a:schemeClr val="tx1"/>
+                </a:solidFill>
+              </a:rPr>
+              <a:t>));</a:t>
+            </a:r>
+            <a:endParaRPr lang="zh-CN" altLang="en-US" sz="1200">
+              <a:solidFill>
+                <a:srgbClr val="00B050"/>
+              </a:solidFill>
+            </a:endParaRPr>
+          </a:p>
+          <a:p>
+            <a:pPr marL="0" indent="0">
+              <a:lnSpc>
+                <a:spcPct val="100000"/>
+              </a:lnSpc>
+              <a:buNone/>
+            </a:pPr>
+            <a:r>
+              <a:rPr lang="zh-CN" altLang="en-US" sz="1200">
+                <a:solidFill>
+                  <a:srgbClr val="00B050"/>
+                </a:solidFill>
+              </a:rPr>
+              <a:t>        </a:t>
+            </a:r>
+            <a:r>
+              <a:rPr lang="zh-CN" altLang="en-US" sz="1200">
+                <a:solidFill>
+                  <a:srgbClr val="C00000"/>
+                </a:solidFill>
+              </a:rPr>
+              <a:t>return </a:t>
+            </a:r>
+            <a:r>
+              <a:rPr lang="zh-CN" altLang="en-US" sz="1200">
+                <a:solidFill>
+                  <a:srgbClr val="00B0F0"/>
+                </a:solidFill>
+              </a:rPr>
+              <a:t>Response.createSuccess</a:t>
+            </a:r>
+            <a:r>
+              <a:rPr lang="zh-CN" altLang="en-US" sz="1200">
+                <a:solidFill>
+                  <a:schemeClr val="tx1"/>
+                </a:solidFill>
+              </a:rPr>
+              <a:t>("成功修改包[%s]日志级别为：[%s]"</a:t>
+            </a:r>
+            <a:r>
+              <a:rPr lang="zh-CN" altLang="en-US" sz="1200">
+                <a:solidFill>
+                  <a:srgbClr val="00B050"/>
+                </a:solidFill>
+              </a:rPr>
+              <a:t>, null, pgk, level</a:t>
+            </a:r>
+            <a:r>
+              <a:rPr lang="zh-CN" altLang="en-US" sz="1200">
+                <a:solidFill>
+                  <a:schemeClr val="tx1"/>
+                </a:solidFill>
+              </a:rPr>
+              <a:t>);</a:t>
+            </a:r>
+            <a:endParaRPr lang="zh-CN" altLang="en-US" sz="1200">
+              <a:solidFill>
+                <a:srgbClr val="00B050"/>
+              </a:solidFill>
+            </a:endParaRPr>
+          </a:p>
+          <a:p>
+            <a:pPr marL="0" indent="0">
+              <a:lnSpc>
+                <a:spcPct val="100000"/>
+              </a:lnSpc>
+              <a:buNone/>
+            </a:pPr>
+            <a:r>
+              <a:rPr lang="zh-CN" altLang="en-US" sz="1200">
+                <a:solidFill>
+                  <a:srgbClr val="00B050"/>
+                </a:solidFill>
+              </a:rPr>
+              <a:t>    }</a:t>
+            </a:r>
+            <a:endParaRPr lang="zh-CN" altLang="en-US" sz="1200">
+              <a:solidFill>
+                <a:srgbClr val="00B050"/>
+              </a:solidFill>
+            </a:endParaRPr>
+          </a:p>
+          <a:p>
+            <a:pPr marL="0" indent="0">
+              <a:lnSpc>
+                <a:spcPct val="100000"/>
+              </a:lnSpc>
+              <a:buNone/>
+            </a:pPr>
+            <a:r>
+              <a:rPr lang="zh-CN" altLang="en-US" sz="1200">
+                <a:solidFill>
+                  <a:srgbClr val="0070C0"/>
+                </a:solidFill>
+              </a:rPr>
+              <a:t>调用接口修改</a:t>
+            </a:r>
+            <a:endParaRPr lang="zh-CN" altLang="en-US" sz="1200">
+              <a:solidFill>
+                <a:srgbClr val="00B050"/>
+              </a:solidFill>
+            </a:endParaRPr>
+          </a:p>
+          <a:p>
+            <a:pPr marL="0" indent="0">
+              <a:lnSpc>
+                <a:spcPct val="100000"/>
+              </a:lnSpc>
+              <a:buNone/>
+            </a:pPr>
+            <a:r>
+              <a:rPr lang="zh-CN" altLang="en-US" sz="1400">
+                <a:solidFill>
+                  <a:srgbClr val="00B050"/>
+                </a:solidFill>
+              </a:rPr>
+              <a:t>curl </a:t>
+            </a:r>
+            <a:r>
+              <a:rPr lang="zh-CN" altLang="en-US" sz="1400">
+                <a:solidFill>
+                  <a:schemeClr val="tx1"/>
+                </a:solidFill>
+              </a:rPr>
+              <a:t>http://localhost:8081/log/io.github.sunny.controller/info</a:t>
+            </a:r>
+            <a:r>
+              <a:rPr lang="zh-CN" altLang="en-US" sz="1400">
+                <a:solidFill>
+                  <a:srgbClr val="00B050"/>
+                </a:solidFill>
+              </a:rPr>
+              <a:t> -X POST</a:t>
+            </a:r>
+            <a:endParaRPr lang="zh-CN" altLang="en-US" sz="1200">
+              <a:solidFill>
+                <a:srgbClr val="00B050"/>
+              </a:solidFill>
+            </a:endParaRPr>
+          </a:p>
+          <a:p>
+            <a:pPr marL="0" indent="0">
+              <a:lnSpc>
+                <a:spcPct val="100000"/>
+              </a:lnSpc>
+              <a:buNone/>
+            </a:pPr>
+            <a:endParaRPr lang="zh-CN" altLang="en-US" sz="1200">
+              <a:solidFill>
+                <a:srgbClr val="00B050"/>
+              </a:solidFill>
+            </a:endParaRPr>
+          </a:p>
+        </p:txBody>
+      </p:sp>
+    </p:spTree>
+  </p:cSld>
+  <p:clrMapOvr>
+    <a:masterClrMapping/>
+  </p:clrMapOvr>
+</p:sld>
+</file>
+
+<file path=ppt/slides/slide18.xml><?xml version="1.0" encoding="utf-8"?>
+<p:sld xmlns:a="http://schemas.openxmlformats.org/drawingml/2006/main" xmlns:r="http://schemas.openxmlformats.org/officeDocument/2006/relationships" xmlns:p="http://schemas.openxmlformats.org/presentationml/2006/main">
+  <p:cSld>
+    <p:spTree>
+      <p:nvGrpSpPr>
+        <p:cNvPr id="1" name=""/>
+        <p:cNvGrpSpPr/>
+        <p:nvPr/>
+      </p:nvGrpSpPr>
+      <p:grpSpPr/>
+      <p:sp>
+        <p:nvSpPr>
+          <p:cNvPr id="2" name="标题 1"/>
+          <p:cNvSpPr>
+            <a:spLocks noGrp="1"/>
+          </p:cNvSpPr>
+          <p:nvPr>
+            <p:ph type="title"/>
+          </p:nvPr>
+        </p:nvSpPr>
+        <p:spPr/>
+        <p:txBody>
+          <a:bodyPr>
+            <a:normAutofit/>
+          </a:bodyPr>
+          <a:p>
+            <a:pPr>
+              <a:lnSpc>
+                <a:spcPct val="150000"/>
+              </a:lnSpc>
+            </a:pPr>
+            <a:r>
+              <a:rPr lang="zh-CN" altLang="en-US" sz="4000">
+                <a:ln/>
+                <a:solidFill>
+                  <a:schemeClr val="accent1"/>
+                </a:solidFill>
+                <a:effectLst>
+                  <a:outerShdw blurRad="38100" dist="25400" dir="5400000" algn="ctr" rotWithShape="0">
+                    <a:srgbClr val="6E747A">
+                      <a:alpha val="43000"/>
+                    </a:srgbClr>
+                  </a:outerShdw>
+                </a:effectLst>
+              </a:rPr>
+              <a:t>spring的@Conditional注解使用</a:t>
+            </a:r>
+            <a:br>
+              <a:rPr lang="zh-CN" altLang="en-US" sz="4000">
+                <a:ln/>
+                <a:solidFill>
+                  <a:schemeClr val="accent1"/>
+                </a:solidFill>
+                <a:effectLst>
+                  <a:outerShdw blurRad="38100" dist="25400" dir="5400000" algn="ctr" rotWithShape="0">
+                    <a:srgbClr val="6E747A">
+                      <a:alpha val="43000"/>
+                    </a:srgbClr>
+                  </a:outerShdw>
+                </a:effectLst>
+              </a:rPr>
+            </a:br>
+            <a:r>
+              <a:rPr lang="zh-CN" altLang="en-US" sz="1400" b="0">
+                <a:ln/>
+                <a:solidFill>
+                  <a:schemeClr val="accent1"/>
+                </a:solidFill>
+                <a:effectLst>
+                  <a:outerShdw blurRad="38100" dist="25400" dir="5400000" algn="ctr" rotWithShape="0">
+                    <a:srgbClr val="6E747A">
+                      <a:alpha val="43000"/>
+                    </a:srgbClr>
+                  </a:outerShdw>
+                </a:effectLst>
+              </a:rPr>
+              <a:t>https://docs.spring.io/spring/docs/5.0.15.RELEASE/spring-framework-reference/core.html#beans-java-conditional</a:t>
+            </a:r>
+            <a:endParaRPr lang="zh-CN" altLang="en-US" sz="1400" b="0">
+              <a:ln/>
+              <a:solidFill>
+                <a:schemeClr val="accent1"/>
+              </a:solidFill>
+              <a:effectLst>
+                <a:outerShdw blurRad="38100" dist="25400" dir="5400000" algn="ctr" rotWithShape="0">
+                  <a:srgbClr val="6E747A">
+                    <a:alpha val="43000"/>
+                  </a:srgbClr>
+                </a:outerShdw>
+              </a:effectLst>
+            </a:endParaRPr>
+          </a:p>
+        </p:txBody>
+      </p:sp>
+      <p:sp>
+        <p:nvSpPr>
+          <p:cNvPr id="3" name="内容占位符 2"/>
+          <p:cNvSpPr>
+            <a:spLocks noGrp="1"/>
+          </p:cNvSpPr>
+          <p:nvPr>
+            <p:ph idx="1"/>
+          </p:nvPr>
+        </p:nvSpPr>
         <p:spPr/>
         <p:txBody>
           <a:bodyPr/>
           <a:p>
-            <a:r>
-              <a:rPr lang="zh-CN" altLang="en-US" sz="1600"/>
-              <a:t>这里主要说下</a:t>
-            </a:r>
-            <a:r>
-              <a:rPr lang="en-US" altLang="zh-CN" sz="1600"/>
-              <a:t>spring boot</a:t>
-            </a:r>
-            <a:r>
-              <a:rPr lang="zh-CN" altLang="en-US" sz="1600"/>
-              <a:t>对</a:t>
-            </a:r>
-            <a:r>
-              <a:rPr lang="en-US" altLang="zh-CN" sz="1600"/>
-              <a:t>logback</a:t>
-            </a:r>
-            <a:r>
-              <a:rPr lang="zh-CN" altLang="en-US" sz="1600"/>
-              <a:t>的扩展，</a:t>
-            </a:r>
-            <a:r>
-              <a:rPr lang="en-US" altLang="zh-CN" sz="1600"/>
-              <a:t>xml</a:t>
-            </a:r>
-            <a:r>
-              <a:rPr lang="zh-CN" altLang="en-US" sz="1600"/>
-              <a:t>跟</a:t>
-            </a:r>
-            <a:r>
-              <a:rPr lang="en-US" altLang="zh-CN" sz="1600"/>
-              <a:t>yml</a:t>
-            </a:r>
-            <a:r>
-              <a:rPr lang="zh-CN" altLang="en-US" sz="1600"/>
-              <a:t>配置怎么打通</a:t>
-            </a:r>
-            <a:endParaRPr lang="zh-CN" altLang="en-US" sz="1600"/>
-          </a:p>
-          <a:p>
             <a:pPr marL="0" indent="0">
               <a:buNone/>
             </a:pPr>
             <a:r>
-              <a:rPr lang="en-US" altLang="zh-CN" sz="1600"/>
-              <a:t>springboot</a:t>
-            </a:r>
-            <a:r>
-              <a:rPr lang="zh-CN" altLang="en-US" sz="1600"/>
-              <a:t>建议我们命名</a:t>
-            </a:r>
-            <a:r>
-              <a:rPr lang="en-US" altLang="zh-CN" sz="1600">
-                <a:solidFill>
-                  <a:srgbClr val="00B050"/>
-                </a:solidFill>
-              </a:rPr>
-              <a:t>logback-spring.xml</a:t>
-            </a:r>
-            <a:endParaRPr lang="zh-CN" altLang="en-US" sz="1600"/>
+              <a:rPr lang="en-US" altLang="zh-CN"/>
+              <a:t> </a:t>
+            </a:r>
+            <a:r>
+              <a:rPr lang="zh-CN" altLang="en-US"/>
+              <a:t>这个是条件注入</a:t>
+            </a:r>
+            <a:r>
+              <a:rPr lang="en-US" altLang="zh-CN"/>
+              <a:t>bean</a:t>
+            </a:r>
+            <a:r>
+              <a:rPr lang="zh-CN" altLang="en-US"/>
+              <a:t>，利用它可以根据自动注入一些</a:t>
+            </a:r>
+            <a:r>
+              <a:rPr lang="en-US" altLang="zh-CN"/>
+              <a:t>bean(condition</a:t>
+            </a:r>
+            <a:r>
+              <a:rPr lang="zh-CN" altLang="en-US"/>
+              <a:t>分支代码</a:t>
+            </a:r>
+            <a:r>
+              <a:rPr lang="en-US" altLang="zh-CN"/>
+              <a:t>)</a:t>
+            </a:r>
+            <a:endParaRPr lang="en-US" altLang="zh-CN"/>
           </a:p>
           <a:p>
             <a:pPr marL="0" indent="0">
               <a:buNone/>
             </a:pPr>
-            <a:endParaRPr lang="zh-CN" altLang="en-US" sz="1600"/>
+            <a:r>
+              <a:rPr lang="en-US" altLang="zh-CN"/>
+              <a:t>需求: h5端要的时间格式是`yyyy-MM-dd HH:mm:ss`,但是手机端需要的时间格式是lang类型的时间差</a:t>
+            </a:r>
+            <a:endParaRPr lang="en-US" altLang="zh-CN"/>
           </a:p>
         </p:txBody>
       </p:sp>
